--- a/07-Photoshop/07-Photoshop.pptx
+++ b/07-Photoshop/07-Photoshop.pptx
@@ -5,7 +5,7 @@
     <p:sldMasterId id="2147483648" r:id="rId1"/>
   </p:sldMasterIdLst>
   <p:notesMasterIdLst>
-    <p:notesMasterId r:id="rId22"/>
+    <p:notesMasterId r:id="rId21"/>
   </p:notesMasterIdLst>
   <p:sldIdLst>
     <p:sldId id="256" r:id="rId2"/>
@@ -27,7 +27,6 @@
     <p:sldId id="303" r:id="rId18"/>
     <p:sldId id="265" r:id="rId19"/>
     <p:sldId id="269" r:id="rId20"/>
-    <p:sldId id="304" r:id="rId21"/>
   </p:sldIdLst>
   <p:sldSz cx="9144000" cy="6858000" type="screen4x3"/>
   <p:notesSz cx="6858000" cy="9144000"/>
@@ -239,7 +238,7 @@
           <a:p>
             <a:fld id="{2E054F57-E93D-4CC3-8A27-2F256E70BB98}" type="datetimeFigureOut">
               <a:rPr lang="en-US" smtClean="0"/>
-              <a:t>07 Aug 15</a:t>
+              <a:t>6/20/2016</a:t>
             </a:fld>
             <a:endParaRPr lang="en-US"/>
           </a:p>
@@ -1612,7 +1611,7 @@
           <a:p>
             <a:fld id="{3EA744D9-3FBE-48D8-BF2A-85DF203E4D20}" type="datetimeFigureOut">
               <a:rPr lang="bg-BG" smtClean="0"/>
-              <a:t>7.8.2015 г.</a:t>
+              <a:t>20.6.2016 г.</a:t>
             </a:fld>
             <a:endParaRPr lang="bg-BG"/>
           </a:p>
@@ -1782,7 +1781,7 @@
           <a:p>
             <a:fld id="{3EA744D9-3FBE-48D8-BF2A-85DF203E4D20}" type="datetimeFigureOut">
               <a:rPr lang="bg-BG" smtClean="0"/>
-              <a:t>7.8.2015 г.</a:t>
+              <a:t>20.6.2016 г.</a:t>
             </a:fld>
             <a:endParaRPr lang="bg-BG"/>
           </a:p>
@@ -1962,7 +1961,7 @@
           <a:p>
             <a:fld id="{3EA744D9-3FBE-48D8-BF2A-85DF203E4D20}" type="datetimeFigureOut">
               <a:rPr lang="bg-BG" smtClean="0"/>
-              <a:t>7.8.2015 г.</a:t>
+              <a:t>20.6.2016 г.</a:t>
             </a:fld>
             <a:endParaRPr lang="bg-BG"/>
           </a:p>
@@ -2132,7 +2131,7 @@
           <a:p>
             <a:fld id="{3EA744D9-3FBE-48D8-BF2A-85DF203E4D20}" type="datetimeFigureOut">
               <a:rPr lang="bg-BG" smtClean="0"/>
-              <a:t>7.8.2015 г.</a:t>
+              <a:t>20.6.2016 г.</a:t>
             </a:fld>
             <a:endParaRPr lang="bg-BG"/>
           </a:p>
@@ -2378,7 +2377,7 @@
           <a:p>
             <a:fld id="{3EA744D9-3FBE-48D8-BF2A-85DF203E4D20}" type="datetimeFigureOut">
               <a:rPr lang="bg-BG" smtClean="0"/>
-              <a:t>7.8.2015 г.</a:t>
+              <a:t>20.6.2016 г.</a:t>
             </a:fld>
             <a:endParaRPr lang="bg-BG"/>
           </a:p>
@@ -2666,7 +2665,7 @@
           <a:p>
             <a:fld id="{3EA744D9-3FBE-48D8-BF2A-85DF203E4D20}" type="datetimeFigureOut">
               <a:rPr lang="bg-BG" smtClean="0"/>
-              <a:t>7.8.2015 г.</a:t>
+              <a:t>20.6.2016 г.</a:t>
             </a:fld>
             <a:endParaRPr lang="bg-BG"/>
           </a:p>
@@ -3088,7 +3087,7 @@
           <a:p>
             <a:fld id="{3EA744D9-3FBE-48D8-BF2A-85DF203E4D20}" type="datetimeFigureOut">
               <a:rPr lang="bg-BG" smtClean="0"/>
-              <a:t>7.8.2015 г.</a:t>
+              <a:t>20.6.2016 г.</a:t>
             </a:fld>
             <a:endParaRPr lang="bg-BG"/>
           </a:p>
@@ -3206,7 +3205,7 @@
           <a:p>
             <a:fld id="{3EA744D9-3FBE-48D8-BF2A-85DF203E4D20}" type="datetimeFigureOut">
               <a:rPr lang="bg-BG" smtClean="0"/>
-              <a:t>7.8.2015 г.</a:t>
+              <a:t>20.6.2016 г.</a:t>
             </a:fld>
             <a:endParaRPr lang="bg-BG"/>
           </a:p>
@@ -3301,7 +3300,7 @@
           <a:p>
             <a:fld id="{3EA744D9-3FBE-48D8-BF2A-85DF203E4D20}" type="datetimeFigureOut">
               <a:rPr lang="bg-BG" smtClean="0"/>
-              <a:t>7.8.2015 г.</a:t>
+              <a:t>20.6.2016 г.</a:t>
             </a:fld>
             <a:endParaRPr lang="bg-BG"/>
           </a:p>
@@ -3578,7 +3577,7 @@
           <a:p>
             <a:fld id="{3EA744D9-3FBE-48D8-BF2A-85DF203E4D20}" type="datetimeFigureOut">
               <a:rPr lang="bg-BG" smtClean="0"/>
-              <a:t>7.8.2015 г.</a:t>
+              <a:t>20.6.2016 г.</a:t>
             </a:fld>
             <a:endParaRPr lang="bg-BG"/>
           </a:p>
@@ -3831,7 +3830,7 @@
           <a:p>
             <a:fld id="{3EA744D9-3FBE-48D8-BF2A-85DF203E4D20}" type="datetimeFigureOut">
               <a:rPr lang="bg-BG" smtClean="0"/>
-              <a:t>7.8.2015 г.</a:t>
+              <a:t>20.6.2016 г.</a:t>
             </a:fld>
             <a:endParaRPr lang="bg-BG"/>
           </a:p>
@@ -4053,7 +4052,7 @@
           <a:p>
             <a:fld id="{3EA744D9-3FBE-48D8-BF2A-85DF203E4D20}" type="datetimeFigureOut">
               <a:rPr lang="bg-BG" smtClean="0"/>
-              <a:t>7.8.2015 г.</a:t>
+              <a:t>20.6.2016 г.</a:t>
             </a:fld>
             <a:endParaRPr lang="bg-BG"/>
           </a:p>
@@ -8609,11 +8608,13 @@
         <p:spPr>
           <a:xfrm>
             <a:off x="838200" y="685800"/>
-            <a:ext cx="8229600" cy="1143000"/>
+            <a:ext cx="8229600" cy="2590800"/>
           </a:xfrm>
         </p:spPr>
         <p:txBody>
-          <a:bodyPr/>
+          <a:bodyPr>
+            <a:normAutofit fontScale="90000"/>
+          </a:bodyPr>
           <a:lstStyle/>
           <a:p>
             <a:pPr algn="l"/>
@@ -8624,10 +8625,64 @@
                 </a:solidFill>
               </a:rPr>
               <a:t>Въпроси</a:t>
+            </a:r>
+            <a:r>
+              <a:rPr lang="en-US" dirty="0" smtClean="0">
+                <a:solidFill>
+                  <a:schemeClr val="accent6"/>
+                </a:solidFill>
+              </a:rPr>
+              <a:t/>
+            </a:r>
+            <a:br>
+              <a:rPr lang="en-US" dirty="0" smtClean="0">
+                <a:solidFill>
+                  <a:schemeClr val="accent6"/>
+                </a:solidFill>
+              </a:rPr>
+            </a:br>
+            <a:r>
+              <a:rPr lang="en-US" dirty="0" smtClean="0">
+                <a:solidFill>
+                  <a:schemeClr val="accent6"/>
+                </a:solidFill>
+              </a:rPr>
+              <a:t>PSD </a:t>
+            </a:r>
+            <a:r>
+              <a:rPr lang="bg-BG" dirty="0" smtClean="0">
+                <a:solidFill>
+                  <a:schemeClr val="accent6"/>
+                </a:solidFill>
+              </a:rPr>
+              <a:t>за упражнение </a:t>
+            </a:r>
+            <a:br>
+              <a:rPr lang="bg-BG" dirty="0" smtClean="0">
+                <a:solidFill>
+                  <a:schemeClr val="accent6"/>
+                </a:solidFill>
+              </a:rPr>
+            </a:br>
+            <a:r>
+              <a:rPr lang="en-US" dirty="0" smtClean="0">
+                <a:solidFill>
+                  <a:srgbClr val="002060"/>
+                </a:solidFill>
+              </a:rPr>
+              <a:t>http</a:t>
+            </a:r>
+            <a:r>
+              <a:rPr lang="en-US" dirty="0">
+                <a:solidFill>
+                  <a:srgbClr val="002060"/>
+                </a:solidFill>
+              </a:rPr>
+              <a:t>://www.os-templates.com/free-psd-templates/utopic-flowers</a:t>
             </a:r>
             <a:endParaRPr lang="bg-BG" dirty="0">
               <a:solidFill>
-                <a:schemeClr val="accent6"/>
+                <a:srgbClr val="002060"/>
               </a:solidFill>
             </a:endParaRPr>
           </a:p>
@@ -8645,8 +8700,8 @@
         </p:nvSpPr>
         <p:spPr>
           <a:xfrm>
-            <a:off x="762000" y="1676400"/>
-            <a:ext cx="7620000" cy="4525963"/>
+            <a:off x="762000" y="3733800"/>
+            <a:ext cx="7620000" cy="2468563"/>
           </a:xfrm>
         </p:spPr>
         <p:txBody>
@@ -8731,7 +8786,7 @@
         </p:blipFill>
         <p:spPr bwMode="auto">
           <a:xfrm>
-            <a:off x="3505200" y="2057400"/>
+            <a:off x="3505200" y="4114800"/>
             <a:ext cx="2419082" cy="2419082"/>
           </a:xfrm>
           <a:prstGeom prst="rect">
@@ -8879,14 +8934,14 @@
               <a:t>файла </a:t>
             </a:r>
             <a:r>
-              <a:rPr lang="en-US" sz="2000" b="1" dirty="0" smtClean="0">
+              <a:rPr lang="en-US" sz="2000" b="1" dirty="0">
                 <a:solidFill>
                   <a:schemeClr val="bg1">
                     <a:lumMod val="95000"/>
                   </a:schemeClr>
                 </a:solidFill>
               </a:rPr>
-              <a:t>07-Photoshop-Tasks\task1.psd</a:t>
+              <a:t>07-Photoshop-Tasks\Task1-registration-form.psd</a:t>
             </a:r>
             <a:r>
               <a:rPr lang="bg-BG" sz="2000" b="1" dirty="0" smtClean="0">
@@ -8896,311 +8951,59 @@
                   </a:schemeClr>
                 </a:solidFill>
               </a:rPr>
-              <a:t>, направете уеб страница, която съдържа подобно меню-навигация</a:t>
-            </a:r>
-          </a:p>
-          <a:p>
-            <a:pPr lvl="1" indent="-342900">
-              <a:buFont typeface="Wingdings" panose="05000000000000000000" pitchFamily="2" charset="2"/>
-              <a:buChar char="§"/>
-            </a:pPr>
-            <a:r>
-              <a:rPr lang="bg-BG" sz="1600" b="1" dirty="0" smtClean="0">
+              <a:t>, </a:t>
+            </a:r>
+            <a:r>
+              <a:rPr lang="bg-BG" sz="2000" b="1" dirty="0" smtClean="0">
                 <a:solidFill>
                   <a:schemeClr val="bg1">
                     <a:lumMod val="95000"/>
                   </a:schemeClr>
                 </a:solidFill>
               </a:rPr>
-              <a:t>Старайте се максимално да се доближите до дизайна</a:t>
-            </a:r>
-          </a:p>
-          <a:p>
-            <a:pPr lvl="1" indent="-342900">
-              <a:buFont typeface="Wingdings" panose="05000000000000000000" pitchFamily="2" charset="2"/>
-              <a:buChar char="§"/>
-            </a:pPr>
-            <a:r>
-              <a:rPr lang="bg-BG" sz="1600" b="1" dirty="0" smtClean="0">
+              <a:t>направете уеб </a:t>
+            </a:r>
+            <a:r>
+              <a:rPr lang="bg-BG" sz="2000" b="1" dirty="0" smtClean="0">
                 <a:solidFill>
                   <a:schemeClr val="bg1">
                     <a:lumMod val="95000"/>
                   </a:schemeClr>
                 </a:solidFill>
               </a:rPr>
-              <a:t>Менюто трябва да има </a:t>
-            </a:r>
-            <a:r>
-              <a:rPr lang="en-US" sz="1600" b="1" dirty="0" smtClean="0">
+              <a:t>страница</a:t>
+            </a:r>
+            <a:r>
+              <a:rPr lang="en-US" sz="2000" b="1" dirty="0" smtClean="0">
                 <a:solidFill>
                   <a:schemeClr val="bg1">
                     <a:lumMod val="95000"/>
                   </a:schemeClr>
                 </a:solidFill>
               </a:rPr>
-              <a:t>hover </a:t>
-            </a:r>
-            <a:r>
-              <a:rPr lang="bg-BG" sz="1600" b="1" dirty="0" smtClean="0">
+              <a:t> </a:t>
+            </a:r>
+            <a:r>
+              <a:rPr lang="bg-BG" sz="2000" b="1" dirty="0" smtClean="0">
                 <a:solidFill>
                   <a:schemeClr val="bg1">
                     <a:lumMod val="95000"/>
                   </a:schemeClr>
                 </a:solidFill>
               </a:rPr>
-              <a:t>ефект</a:t>
-            </a:r>
-            <a:r>
-              <a:rPr lang="en-US" sz="1600" b="1" dirty="0" smtClean="0">
+              <a:t>с </a:t>
+            </a:r>
+            <a:r>
+              <a:rPr lang="bg-BG" sz="2000" b="1" dirty="0" smtClean="0">
                 <a:solidFill>
                   <a:schemeClr val="bg1">
                     <a:lumMod val="95000"/>
                   </a:schemeClr>
                 </a:solidFill>
               </a:rPr>
-              <a:t> </a:t>
-            </a:r>
-            <a:r>
-              <a:rPr lang="bg-BG" sz="1600" b="1" dirty="0" smtClean="0">
-                <a:solidFill>
-                  <a:schemeClr val="bg1">
-                    <a:lumMod val="95000"/>
-                  </a:schemeClr>
-                </a:solidFill>
-              </a:rPr>
-              <a:t>и ефект, който </a:t>
-            </a:r>
-            <a:r>
-              <a:rPr lang="en-US" sz="1600" b="1" dirty="0" smtClean="0">
-                <a:solidFill>
-                  <a:schemeClr val="bg1">
-                    <a:lumMod val="95000"/>
-                  </a:schemeClr>
-                </a:solidFill>
-              </a:rPr>
-              <a:t>highlight-</a:t>
-            </a:r>
-            <a:r>
-              <a:rPr lang="bg-BG" sz="1600" b="1" dirty="0" smtClean="0">
-                <a:solidFill>
-                  <a:schemeClr val="bg1">
-                    <a:lumMod val="95000"/>
-                  </a:schemeClr>
-                </a:solidFill>
-              </a:rPr>
-              <a:t>ва активния елемент</a:t>
-            </a:r>
-          </a:p>
-          <a:p>
-            <a:pPr marL="457200" indent="-457200">
-              <a:buAutoNum type="arabicPeriod"/>
-            </a:pPr>
-            <a:r>
-              <a:rPr lang="bg-BG" sz="2000" b="1" dirty="0" smtClean="0">
-                <a:solidFill>
-                  <a:schemeClr val="bg1">
-                    <a:lumMod val="95000"/>
-                  </a:schemeClr>
-                </a:solidFill>
-              </a:rPr>
-              <a:t>Използвайки </a:t>
-            </a:r>
-            <a:r>
-              <a:rPr lang="en-US" sz="2000" b="1" dirty="0" smtClean="0">
-                <a:solidFill>
-                  <a:schemeClr val="bg1">
-                    <a:lumMod val="95000"/>
-                  </a:schemeClr>
-                </a:solidFill>
-              </a:rPr>
-              <a:t>PSD </a:t>
-            </a:r>
-            <a:r>
-              <a:rPr lang="bg-BG" sz="2000" b="1" dirty="0" smtClean="0">
-                <a:solidFill>
-                  <a:schemeClr val="bg1">
-                    <a:lumMod val="95000"/>
-                  </a:schemeClr>
-                </a:solidFill>
-              </a:rPr>
-              <a:t>файла </a:t>
-            </a:r>
-            <a:r>
-              <a:rPr lang="en-US" sz="2000" b="1" dirty="0" smtClean="0">
-                <a:solidFill>
-                  <a:schemeClr val="bg1">
-                    <a:lumMod val="95000"/>
-                  </a:schemeClr>
-                </a:solidFill>
-              </a:rPr>
-              <a:t>07-Photoshop-Tasks\task2.psd, </a:t>
-            </a:r>
-            <a:r>
-              <a:rPr lang="bg-BG" sz="2000" b="1" dirty="0" smtClean="0">
-                <a:solidFill>
-                  <a:schemeClr val="bg1">
-                    <a:lumMod val="95000"/>
-                  </a:schemeClr>
-                </a:solidFill>
-              </a:rPr>
-              <a:t>направете уеб страница, която съдържа 6 изображения – </a:t>
-            </a:r>
-            <a:r>
-              <a:rPr lang="en-US" sz="2000" b="1" dirty="0" smtClean="0">
-                <a:solidFill>
-                  <a:schemeClr val="bg1">
-                    <a:lumMod val="95000"/>
-                  </a:schemeClr>
-                </a:solidFill>
-              </a:rPr>
-              <a:t>PNG, JPEG </a:t>
-            </a:r>
-            <a:r>
-              <a:rPr lang="bg-BG" sz="2000" b="1" dirty="0" smtClean="0">
-                <a:solidFill>
-                  <a:schemeClr val="bg1">
-                    <a:lumMod val="95000"/>
-                  </a:schemeClr>
-                </a:solidFill>
-              </a:rPr>
-              <a:t>и </a:t>
-            </a:r>
-            <a:r>
-              <a:rPr lang="en-US" sz="2000" b="1" dirty="0" smtClean="0">
-                <a:solidFill>
-                  <a:schemeClr val="bg1">
-                    <a:lumMod val="95000"/>
-                  </a:schemeClr>
-                </a:solidFill>
-              </a:rPr>
-              <a:t>GIF</a:t>
-            </a:r>
-            <a:r>
-              <a:rPr lang="bg-BG" sz="2000" b="1" dirty="0" smtClean="0">
-                <a:solidFill>
-                  <a:schemeClr val="bg1">
-                    <a:lumMod val="95000"/>
-                  </a:schemeClr>
-                </a:solidFill>
-              </a:rPr>
-              <a:t> и всяко изображение е в 2 резолюции – 512</a:t>
-            </a:r>
-            <a:r>
-              <a:rPr lang="en-US" sz="2000" b="1" dirty="0" smtClean="0">
-                <a:solidFill>
-                  <a:schemeClr val="bg1">
-                    <a:lumMod val="95000"/>
-                  </a:schemeClr>
-                </a:solidFill>
-              </a:rPr>
-              <a:t>x512px </a:t>
-            </a:r>
-            <a:r>
-              <a:rPr lang="bg-BG" sz="2000" b="1" dirty="0" smtClean="0">
-                <a:solidFill>
-                  <a:schemeClr val="bg1">
-                    <a:lumMod val="95000"/>
-                  </a:schemeClr>
-                </a:solidFill>
-              </a:rPr>
-              <a:t>и </a:t>
-            </a:r>
-            <a:r>
-              <a:rPr lang="en-US" sz="2000" b="1" dirty="0" smtClean="0">
-                <a:solidFill>
-                  <a:schemeClr val="bg1">
-                    <a:lumMod val="95000"/>
-                  </a:schemeClr>
-                </a:solidFill>
-              </a:rPr>
-              <a:t>256x256px</a:t>
-            </a:r>
-          </a:p>
-          <a:p>
-            <a:pPr marL="457200" indent="-457200">
-              <a:buAutoNum type="arabicPeriod"/>
-            </a:pPr>
-            <a:r>
-              <a:rPr lang="bg-BG" sz="2000" b="1" dirty="0" smtClean="0">
-                <a:solidFill>
-                  <a:schemeClr val="bg1">
-                    <a:lumMod val="95000"/>
-                  </a:schemeClr>
-                </a:solidFill>
-              </a:rPr>
-              <a:t>Използвайки </a:t>
-            </a:r>
-            <a:r>
-              <a:rPr lang="en-US" sz="2000" b="1" dirty="0" smtClean="0">
-                <a:solidFill>
-                  <a:schemeClr val="bg1">
-                    <a:lumMod val="95000"/>
-                  </a:schemeClr>
-                </a:solidFill>
-              </a:rPr>
-              <a:t>PSD </a:t>
-            </a:r>
-            <a:r>
-              <a:rPr lang="bg-BG" sz="2000" b="1" dirty="0" smtClean="0">
-                <a:solidFill>
-                  <a:schemeClr val="bg1">
-                    <a:lumMod val="95000"/>
-                  </a:schemeClr>
-                </a:solidFill>
-              </a:rPr>
-              <a:t>файла </a:t>
-            </a:r>
-            <a:r>
-              <a:rPr lang="en-US" sz="2000" b="1" dirty="0" smtClean="0">
-                <a:solidFill>
-                  <a:schemeClr val="bg1">
-                    <a:lumMod val="95000"/>
-                  </a:schemeClr>
-                </a:solidFill>
-              </a:rPr>
-              <a:t>07-Photoshop-Tasks\task3.psd,</a:t>
-            </a:r>
-            <a:r>
-              <a:rPr lang="bg-BG" sz="2000" b="1" dirty="0" smtClean="0">
-                <a:solidFill>
-                  <a:schemeClr val="bg1">
-                    <a:lumMod val="95000"/>
-                  </a:schemeClr>
-                </a:solidFill>
-              </a:rPr>
-              <a:t> направете уебстраница, която съдържа </a:t>
-            </a:r>
-            <a:r>
-              <a:rPr lang="en-US" sz="2000" b="1" dirty="0">
-                <a:solidFill>
-                  <a:schemeClr val="bg1">
-                    <a:lumMod val="95000"/>
-                  </a:schemeClr>
-                </a:solidFill>
-              </a:rPr>
-              <a:t>3</a:t>
-            </a:r>
-            <a:r>
-              <a:rPr lang="bg-BG" sz="2000" b="1" dirty="0" smtClean="0">
-                <a:solidFill>
-                  <a:schemeClr val="bg1">
-                    <a:lumMod val="95000"/>
-                  </a:schemeClr>
-                </a:solidFill>
-              </a:rPr>
-              <a:t> бутона със следното съдържание</a:t>
-            </a:r>
-            <a:r>
-              <a:rPr lang="bg-BG" sz="2000" b="1" dirty="0" smtClean="0">
-                <a:solidFill>
-                  <a:schemeClr val="bg1">
-                    <a:lumMod val="95000"/>
-                  </a:schemeClr>
-                </a:solidFill>
-              </a:rPr>
-              <a:t>:</a:t>
-            </a:r>
-            <a:endParaRPr lang="en-US" sz="2000" b="1" dirty="0" smtClean="0">
+              <a:t>регистрационна форма</a:t>
+            </a:r>
+            <a:endParaRPr lang="bg-BG" sz="1600" b="1" dirty="0" smtClean="0">
               <a:solidFill>
                 <a:schemeClr val="bg1">
                   <a:lumMod val="95000"/>
@@ -9209,61 +9012,88 @@
             </a:endParaRPr>
           </a:p>
           <a:p>
-            <a:pPr lvl="1">
-              <a:buFont typeface="Wingdings" panose="05000000000000000000" pitchFamily="2" charset="2"/>
-              <a:buChar char="§"/>
-            </a:pPr>
-            <a:r>
-              <a:rPr lang="en-US" sz="1600" b="1" dirty="0">
+            <a:pPr marL="457200" indent="-457200">
+              <a:buAutoNum type="arabicPeriod"/>
+            </a:pPr>
+            <a:r>
+              <a:rPr lang="bg-BG" sz="2000" b="1" dirty="0" smtClean="0">
                 <a:solidFill>
                   <a:schemeClr val="bg1">
                     <a:lumMod val="95000"/>
                   </a:schemeClr>
                 </a:solidFill>
               </a:rPr>
-              <a:t>	OK</a:t>
-            </a:r>
-          </a:p>
-          <a:p>
-            <a:pPr lvl="1">
-              <a:buFont typeface="Wingdings" panose="05000000000000000000" pitchFamily="2" charset="2"/>
-              <a:buChar char="§"/>
-            </a:pPr>
-            <a:r>
-              <a:rPr lang="en-US" sz="1600" b="1" dirty="0">
+              <a:t>Използвайки </a:t>
+            </a:r>
+            <a:r>
+              <a:rPr lang="en-US" sz="2000" b="1" dirty="0" smtClean="0">
                 <a:solidFill>
                   <a:schemeClr val="bg1">
                     <a:lumMod val="95000"/>
                   </a:schemeClr>
                 </a:solidFill>
               </a:rPr>
-              <a:t>	Cancel</a:t>
-            </a:r>
-          </a:p>
-          <a:p>
-            <a:pPr lvl="1">
-              <a:buFont typeface="Wingdings" panose="05000000000000000000" pitchFamily="2" charset="2"/>
-              <a:buChar char="§"/>
-            </a:pPr>
-            <a:r>
-              <a:rPr lang="en-US" sz="1600" b="1" dirty="0">
+              <a:t>PSD </a:t>
+            </a:r>
+            <a:r>
+              <a:rPr lang="bg-BG" sz="2000" b="1" dirty="0" smtClean="0">
                 <a:solidFill>
                   <a:schemeClr val="bg1">
                     <a:lumMod val="95000"/>
                   </a:schemeClr>
                 </a:solidFill>
               </a:rPr>
-              <a:t>	Click for more </a:t>
-            </a:r>
-            <a:r>
-              <a:rPr lang="en-US" sz="1600" b="1" dirty="0" smtClean="0">
+              <a:t>файла </a:t>
+            </a:r>
+            <a:r>
+              <a:rPr lang="en-US" sz="2000" b="1" dirty="0" smtClean="0">
                 <a:solidFill>
                   <a:schemeClr val="bg1">
                     <a:lumMod val="95000"/>
                   </a:schemeClr>
                 </a:solidFill>
               </a:rPr>
-              <a:t>information</a:t>
+              <a:t>07-Photoshop-Tasks\Task2-creditboxes.psd, </a:t>
+            </a:r>
+            <a:r>
+              <a:rPr lang="bg-BG" sz="2000" b="1" dirty="0" smtClean="0">
+                <a:solidFill>
+                  <a:schemeClr val="bg1">
+                    <a:lumMod val="95000"/>
+                  </a:schemeClr>
+                </a:solidFill>
+              </a:rPr>
+              <a:t>направете уеб </a:t>
+            </a:r>
+            <a:r>
+              <a:rPr lang="bg-BG" sz="2000" b="1" dirty="0" smtClean="0">
+                <a:solidFill>
+                  <a:schemeClr val="bg1">
+                    <a:lumMod val="95000"/>
+                  </a:schemeClr>
+                </a:solidFill>
+              </a:rPr>
+              <a:t>страница</a:t>
+            </a:r>
+            <a:r>
+              <a:rPr lang="en-US" sz="2000" b="1" dirty="0" smtClean="0">
+                <a:solidFill>
+                  <a:schemeClr val="bg1">
+                    <a:lumMod val="95000"/>
+                  </a:schemeClr>
+                </a:solidFill>
+              </a:rPr>
+              <a:t> – </a:t>
+            </a:r>
+            <a:r>
+              <a:rPr lang="en-US" sz="2000" b="1" dirty="0" smtClean="0">
+                <a:solidFill>
+                  <a:schemeClr val="bg1">
+                    <a:lumMod val="95000"/>
+                  </a:schemeClr>
+                </a:solidFill>
+              </a:rPr>
+              <a:t>pricing list</a:t>
             </a:r>
             <a:endParaRPr lang="en-US" sz="1600" b="1" dirty="0" smtClean="0">
               <a:solidFill>
@@ -9743,370 +9573,6 @@
     <p:extLst>
       <p:ext uri="{BB962C8B-B14F-4D97-AF65-F5344CB8AC3E}">
         <p14:creationId xmlns:p14="http://schemas.microsoft.com/office/powerpoint/2010/main" val="2477232377"/>
-      </p:ext>
-    </p:extLst>
-  </p:cSld>
-  <p:clrMapOvr>
-    <a:masterClrMapping/>
-  </p:clrMapOvr>
-  <p:timing>
-    <p:tnLst>
-      <p:par>
-        <p:cTn id="1" dur="indefinite" restart="never" nodeType="tmRoot"/>
-      </p:par>
-    </p:tnLst>
-  </p:timing>
-</p:sld>
-</file>
-
-<file path=ppt/slides/slide20.xml><?xml version="1.0" encoding="utf-8"?>
-<p:sld xmlns:a="http://schemas.openxmlformats.org/drawingml/2006/main" xmlns:r="http://schemas.openxmlformats.org/officeDocument/2006/relationships" xmlns:p="http://schemas.openxmlformats.org/presentationml/2006/main">
-  <p:cSld>
-    <p:spTree>
-      <p:nvGrpSpPr>
-        <p:cNvPr id="1" name=""/>
-        <p:cNvGrpSpPr/>
-        <p:nvPr/>
-      </p:nvGrpSpPr>
-      <p:grpSpPr>
-        <a:xfrm>
-          <a:off x="0" y="0"/>
-          <a:ext cx="0" cy="0"/>
-          <a:chOff x="0" y="0"/>
-          <a:chExt cx="0" cy="0"/>
-        </a:xfrm>
-      </p:grpSpPr>
-      <p:sp>
-        <p:nvSpPr>
-          <p:cNvPr id="2" name="Title 1"/>
-          <p:cNvSpPr>
-            <a:spLocks noGrp="1"/>
-          </p:cNvSpPr>
-          <p:nvPr>
-            <p:ph type="title"/>
-          </p:nvPr>
-        </p:nvSpPr>
-        <p:spPr>
-          <a:xfrm>
-            <a:off x="838200" y="685800"/>
-            <a:ext cx="8229600" cy="1143000"/>
-          </a:xfrm>
-        </p:spPr>
-        <p:txBody>
-          <a:bodyPr/>
-          <a:lstStyle/>
-          <a:p>
-            <a:pPr algn="l"/>
-            <a:r>
-              <a:rPr lang="bg-BG" dirty="0" smtClean="0">
-                <a:solidFill>
-                  <a:schemeClr val="accent6"/>
-                </a:solidFill>
-              </a:rPr>
-              <a:t>Задачи за домашна работа</a:t>
-            </a:r>
-            <a:endParaRPr lang="bg-BG" dirty="0">
-              <a:solidFill>
-                <a:schemeClr val="accent6"/>
-              </a:solidFill>
-            </a:endParaRPr>
-          </a:p>
-        </p:txBody>
-      </p:sp>
-      <p:sp>
-        <p:nvSpPr>
-          <p:cNvPr id="3" name="Content Placeholder 2"/>
-          <p:cNvSpPr>
-            <a:spLocks noGrp="1"/>
-          </p:cNvSpPr>
-          <p:nvPr>
-            <p:ph idx="1"/>
-          </p:nvPr>
-        </p:nvSpPr>
-        <p:spPr>
-          <a:xfrm>
-            <a:off x="762000" y="1676400"/>
-            <a:ext cx="7620000" cy="4648200"/>
-          </a:xfrm>
-        </p:spPr>
-        <p:txBody>
-          <a:bodyPr>
-            <a:noAutofit/>
-          </a:bodyPr>
-          <a:lstStyle/>
-          <a:p>
-            <a:pPr marL="0" indent="0">
-              <a:buNone/>
-            </a:pPr>
-            <a:r>
-              <a:rPr lang="bg-BG" sz="2000" b="1" dirty="0" smtClean="0">
-                <a:solidFill>
-                  <a:schemeClr val="bg1">
-                    <a:lumMod val="95000"/>
-                  </a:schemeClr>
-                </a:solidFill>
-              </a:rPr>
-              <a:t>4.    </a:t>
-            </a:r>
-            <a:r>
-              <a:rPr lang="en-US" sz="2000" b="1" dirty="0" smtClean="0">
-                <a:solidFill>
-                  <a:schemeClr val="bg1">
-                    <a:lumMod val="95000"/>
-                  </a:schemeClr>
-                </a:solidFill>
-              </a:rPr>
-              <a:t> </a:t>
-            </a:r>
-            <a:r>
-              <a:rPr lang="bg-BG" sz="2000" b="1" dirty="0">
-                <a:solidFill>
-                  <a:schemeClr val="bg1">
-                    <a:lumMod val="95000"/>
-                  </a:schemeClr>
-                </a:solidFill>
-              </a:rPr>
-              <a:t>Използвайки </a:t>
-            </a:r>
-            <a:r>
-              <a:rPr lang="en-US" sz="2000" b="1" dirty="0">
-                <a:solidFill>
-                  <a:schemeClr val="bg1">
-                    <a:lumMod val="95000"/>
-                  </a:schemeClr>
-                </a:solidFill>
-              </a:rPr>
-              <a:t>PSD </a:t>
-            </a:r>
-            <a:r>
-              <a:rPr lang="bg-BG" sz="2000" b="1" dirty="0">
-                <a:solidFill>
-                  <a:schemeClr val="bg1">
-                    <a:lumMod val="95000"/>
-                  </a:schemeClr>
-                </a:solidFill>
-              </a:rPr>
-              <a:t>файла </a:t>
-            </a:r>
-            <a:r>
-              <a:rPr lang="en-US" sz="2000" b="1" dirty="0">
-                <a:solidFill>
-                  <a:schemeClr val="bg1">
-                    <a:lumMod val="95000"/>
-                  </a:schemeClr>
-                </a:solidFill>
-              </a:rPr>
-              <a:t>07-Photoshop-Tasks\task4.psd, </a:t>
-            </a:r>
-            <a:r>
-              <a:rPr lang="bg-BG" sz="2000" b="1" dirty="0">
-                <a:solidFill>
-                  <a:schemeClr val="bg1">
-                    <a:lumMod val="95000"/>
-                  </a:schemeClr>
-                </a:solidFill>
-              </a:rPr>
-              <a:t>направете страница, която максимално да отговаря на дизайна.</a:t>
-            </a:r>
-          </a:p>
-          <a:p>
-            <a:pPr marL="0" indent="0">
-              <a:buNone/>
-            </a:pPr>
-            <a:r>
-              <a:rPr lang="bg-BG" sz="2000" b="1" dirty="0" smtClean="0">
-                <a:solidFill>
-                  <a:schemeClr val="bg1">
-                    <a:lumMod val="95000"/>
-                  </a:schemeClr>
-                </a:solidFill>
-              </a:rPr>
-              <a:t>5. </a:t>
-            </a:r>
-            <a:r>
-              <a:rPr lang="bg-BG" sz="2000" b="1" dirty="0">
-                <a:solidFill>
-                  <a:schemeClr val="bg1">
-                    <a:lumMod val="95000"/>
-                  </a:schemeClr>
-                </a:solidFill>
-              </a:rPr>
-              <a:t> </a:t>
-            </a:r>
-            <a:r>
-              <a:rPr lang="bg-BG" sz="2000" b="1" dirty="0" smtClean="0">
-                <a:solidFill>
-                  <a:schemeClr val="bg1">
-                    <a:lumMod val="95000"/>
-                  </a:schemeClr>
-                </a:solidFill>
-              </a:rPr>
-              <a:t>   Използвайки </a:t>
-            </a:r>
-            <a:r>
-              <a:rPr lang="bg-BG" sz="2000" b="1" dirty="0">
-                <a:solidFill>
-                  <a:schemeClr val="bg1">
-                    <a:lumMod val="95000"/>
-                  </a:schemeClr>
-                </a:solidFill>
-              </a:rPr>
-              <a:t>файла </a:t>
-            </a:r>
-            <a:r>
-              <a:rPr lang="en-US" sz="2000" b="1" dirty="0">
-                <a:solidFill>
-                  <a:schemeClr val="bg1">
-                    <a:lumMod val="95000"/>
-                  </a:schemeClr>
-                </a:solidFill>
-              </a:rPr>
-              <a:t>07-Photoshop-Tasks\task5.png, </a:t>
-            </a:r>
-            <a:r>
-              <a:rPr lang="bg-BG" sz="2000" b="1" dirty="0">
-                <a:solidFill>
-                  <a:schemeClr val="bg1">
-                    <a:lumMod val="95000"/>
-                  </a:schemeClr>
-                </a:solidFill>
-              </a:rPr>
-              <a:t>направете страница, която максимално да отговаря на дизайна.</a:t>
-            </a:r>
-          </a:p>
-          <a:p>
-            <a:pPr marL="0" indent="0">
-              <a:buNone/>
-            </a:pPr>
-            <a:r>
-              <a:rPr lang="bg-BG" sz="2000" b="1" dirty="0" smtClean="0">
-                <a:solidFill>
-                  <a:schemeClr val="bg1">
-                    <a:lumMod val="95000"/>
-                  </a:schemeClr>
-                </a:solidFill>
-              </a:rPr>
-              <a:t>6.     Използвайки </a:t>
-            </a:r>
-            <a:r>
-              <a:rPr lang="bg-BG" sz="2000" b="1" dirty="0">
-                <a:solidFill>
-                  <a:schemeClr val="bg1">
-                    <a:lumMod val="95000"/>
-                  </a:schemeClr>
-                </a:solidFill>
-              </a:rPr>
-              <a:t>файла 07-</a:t>
-            </a:r>
-            <a:r>
-              <a:rPr lang="en-US" sz="2000" b="1" dirty="0">
-                <a:solidFill>
-                  <a:schemeClr val="bg1">
-                    <a:lumMod val="95000"/>
-                  </a:schemeClr>
-                </a:solidFill>
-              </a:rPr>
-              <a:t>Photoshop-Tasks\task6.png, </a:t>
-            </a:r>
-            <a:r>
-              <a:rPr lang="bg-BG" sz="2000" b="1" dirty="0">
-                <a:solidFill>
-                  <a:schemeClr val="bg1">
-                    <a:lumMod val="95000"/>
-                  </a:schemeClr>
-                </a:solidFill>
-              </a:rPr>
-              <a:t>направете страница, която максимално да отговаря на дизайна.</a:t>
-            </a:r>
-          </a:p>
-          <a:p>
-            <a:pPr marL="0" indent="0">
-              <a:buNone/>
-            </a:pPr>
-            <a:endParaRPr lang="bg-BG" sz="2000" b="1" dirty="0" smtClean="0">
-              <a:solidFill>
-                <a:schemeClr val="bg1">
-                  <a:lumMod val="95000"/>
-                </a:schemeClr>
-              </a:solidFill>
-            </a:endParaRPr>
-          </a:p>
-          <a:p>
-            <a:pPr marL="0" indent="0">
-              <a:buNone/>
-            </a:pPr>
-            <a:r>
-              <a:rPr lang="bg-BG" sz="2000" b="1" dirty="0" smtClean="0">
-                <a:solidFill>
-                  <a:schemeClr val="bg1">
-                    <a:lumMod val="95000"/>
-                  </a:schemeClr>
-                </a:solidFill>
-              </a:rPr>
-              <a:t>Срок </a:t>
-            </a:r>
-            <a:r>
-              <a:rPr lang="bg-BG" sz="2000" b="1" dirty="0">
-                <a:solidFill>
-                  <a:schemeClr val="bg1">
-                    <a:lumMod val="95000"/>
-                  </a:schemeClr>
-                </a:solidFill>
-              </a:rPr>
-              <a:t>за изпълнение на задачи 1, 2 и 3 – 11.08.2015 </a:t>
-            </a:r>
-            <a:r>
-              <a:rPr lang="bg-BG" sz="2000" b="1" dirty="0" smtClean="0">
-                <a:solidFill>
-                  <a:schemeClr val="bg1">
-                    <a:lumMod val="95000"/>
-                  </a:schemeClr>
-                </a:solidFill>
-                <a:sym typeface="Wingdings" panose="05000000000000000000" pitchFamily="2" charset="2"/>
-              </a:rPr>
-              <a:t></a:t>
-            </a:r>
-          </a:p>
-          <a:p>
-            <a:pPr marL="0" indent="0">
-              <a:buNone/>
-            </a:pPr>
-            <a:r>
-              <a:rPr lang="bg-BG" sz="2000" b="1" dirty="0" smtClean="0">
-                <a:solidFill>
-                  <a:schemeClr val="bg1">
-                    <a:lumMod val="95000"/>
-                  </a:schemeClr>
-                </a:solidFill>
-                <a:sym typeface="Wingdings" panose="05000000000000000000" pitchFamily="2" charset="2"/>
-              </a:rPr>
-              <a:t>Срок </a:t>
-            </a:r>
-            <a:r>
-              <a:rPr lang="bg-BG" sz="2000" b="1" dirty="0">
-                <a:solidFill>
-                  <a:schemeClr val="bg1">
-                    <a:lumMod val="95000"/>
-                  </a:schemeClr>
-                </a:solidFill>
-                <a:sym typeface="Wingdings" panose="05000000000000000000" pitchFamily="2" charset="2"/>
-              </a:rPr>
-              <a:t>за изпълнение на задачи 4, 5 и 6 – 16.08.2015 </a:t>
-            </a:r>
-            <a:endParaRPr lang="en-US" sz="2000" b="1" dirty="0">
-              <a:solidFill>
-                <a:schemeClr val="bg1">
-                  <a:lumMod val="95000"/>
-                </a:schemeClr>
-              </a:solidFill>
-            </a:endParaRPr>
-          </a:p>
-        </p:txBody>
-      </p:sp>
-    </p:spTree>
-    <p:extLst>
-      <p:ext uri="{BB962C8B-B14F-4D97-AF65-F5344CB8AC3E}">
-        <p14:creationId xmlns:p14="http://schemas.microsoft.com/office/powerpoint/2010/main" val="1607898950"/>
       </p:ext>
     </p:extLst>
   </p:cSld>
